--- a/slides/slides.pptx
+++ b/slides/slides.pptx
@@ -7053,7 +7053,6 @@
               <a:rPr lang="en-US" sz="2800"/>
               <a:t> </a:t>
             </a:r>
-            <a:endParaRPr lang="en-US" sz="2800"/>
           </a:p>
         </p:txBody>
       </p:sp>
